--- a/Presentation/שאלה 1.pptx
+++ b/Presentation/שאלה 1.pptx
@@ -3542,8 +3542,8 @@
         </p:blipFill>
         <p:spPr>
           <a:xfrm>
-            <a:off x="0" y="1062963"/>
-            <a:ext cx="7846195" cy="4813712"/>
+            <a:off x="0" y="1207391"/>
+            <a:ext cx="8139215" cy="5129015"/>
           </a:xfrm>
         </p:spPr>
       </p:pic>
@@ -3561,8 +3561,8 @@
         </p:nvSpPr>
         <p:spPr>
           <a:xfrm>
-            <a:off x="7701566" y="2713854"/>
-            <a:ext cx="4210018" cy="2923877"/>
+            <a:off x="7237927" y="2636579"/>
+            <a:ext cx="4849818" cy="2923877"/>
           </a:xfrm>
           <a:prstGeom prst="rect">
             <a:avLst/>
@@ -3601,7 +3601,7 @@
                 <a:latin typeface="Aharoni" panose="02010803020104030203" pitchFamily="2" charset="-79"/>
                 <a:cs typeface="Aharoni" panose="02010803020104030203" pitchFamily="2" charset="-79"/>
               </a:rPr>
-              <a:t>נוח להשוואת תדירות פיגועים בין ערים</a:t>
+              <a:t>נוח להשוואת תדירות הפיגועים בין ערים</a:t>
             </a:r>
           </a:p>
           <a:p>
@@ -3614,7 +3614,7 @@
                 <a:latin typeface="Aharoni" panose="02010803020104030203" pitchFamily="2" charset="-79"/>
                 <a:cs typeface="Aharoni" panose="02010803020104030203" pitchFamily="2" charset="-79"/>
               </a:rPr>
-              <a:t>ניתן להבחין בבירור בנתונים</a:t>
+              <a:t>ניתן להבחין בכמות הפיגועים בכל עיר</a:t>
             </a:r>
           </a:p>
           <a:p>
